--- a/Buoi09_Duy&Dinh_Bài_2.pptx
+++ b/Buoi09_Duy&Dinh_Bài_2.pptx
@@ -6367,7 +6367,7 @@
           <a:schemeClr val="tx1"/>
         </a:buClr>
         <a:buFont typeface="Times New Roman" panose="02020603050405020304" pitchFamily="18" charset="0"/>
-        <a:buChar char="⁻"/>
+        <a:buChar char="–"/>
         <a:defRPr sz="2800" b="0" kern="1200" cap="all" baseline="0">
           <a:solidFill>
             <a:schemeClr val="tx1"/>
@@ -6389,7 +6389,7 @@
           <a:schemeClr val="tx1"/>
         </a:buClr>
         <a:buFont typeface="Times New Roman" panose="02020603050405020304" pitchFamily="18" charset="0"/>
-        <a:buChar char="⁺"/>
+        <a:buChar char="+"/>
         <a:defRPr sz="2400" b="0" kern="1200" cap="all" baseline="0">
           <a:solidFill>
             <a:schemeClr val="tx1"/>
